--- a/機器學習-桌球.pptx
+++ b/機器學習-桌球.pptx
@@ -1073,6 +1073,13 @@
         </dgm:presLayoutVars>
       </dgm:prSet>
       <dgm:spPr/>
+      <dgm:t>
+        <a:bodyPr/>
+        <a:lstStyle/>
+        <a:p>
+          <a:endParaRPr lang="zh-TW" altLang="en-US"/>
+        </a:p>
+      </dgm:t>
     </dgm:pt>
     <dgm:pt modelId="{DE9CE479-E4AE-4283-AEF1-10C1535B4324}" type="pres">
       <dgm:prSet presAssocID="{40FC4FFE-8987-4A26-B7F4-8A516F18ADAE}" presName="compNode" presStyleCnt="0"/>
@@ -1092,7 +1099,7 @@
                 <a14:useLocalDpi xmlns:a14="http://schemas.microsoft.com/office/drawing/2010/main" val="0"/>
               </a:ext>
               <a:ext uri="{96DAC541-7B7A-43D3-8B79-37D633B846F1}">
-                <asvg:svgBlip xmlns:asvg="http://schemas.microsoft.com/office/drawing/2016/SVG/main" r:embed="rId2"/>
+                <asvg:svgBlip xmlns:asvg="http://schemas.microsoft.com/office/drawing/2016/SVG/main" xmlns="" r:embed="rId2"/>
               </a:ext>
             </a:extLst>
           </a:blip>
@@ -1120,6 +1127,13 @@
         </dgm:presLayoutVars>
       </dgm:prSet>
       <dgm:spPr/>
+      <dgm:t>
+        <a:bodyPr/>
+        <a:lstStyle/>
+        <a:p>
+          <a:endParaRPr lang="zh-TW" altLang="en-US"/>
+        </a:p>
+      </dgm:t>
     </dgm:pt>
     <dgm:pt modelId="{FD1EED9C-83D3-41AD-A09B-D3B36354168F}" type="pres">
       <dgm:prSet presAssocID="{5B62599A-5C9B-48E7-896E-EA782AC60C8B}" presName="sibTrans" presStyleCnt="0"/>
@@ -1143,7 +1157,7 @@
                 <a14:useLocalDpi xmlns:a14="http://schemas.microsoft.com/office/drawing/2010/main" val="0"/>
               </a:ext>
               <a:ext uri="{96DAC541-7B7A-43D3-8B79-37D633B846F1}">
-                <asvg:svgBlip xmlns:asvg="http://schemas.microsoft.com/office/drawing/2016/SVG/main" r:embed="rId4"/>
+                <asvg:svgBlip xmlns:asvg="http://schemas.microsoft.com/office/drawing/2016/SVG/main" xmlns="" r:embed="rId4"/>
               </a:ext>
             </a:extLst>
           </a:blip>
@@ -1171,6 +1185,13 @@
         </dgm:presLayoutVars>
       </dgm:prSet>
       <dgm:spPr/>
+      <dgm:t>
+        <a:bodyPr/>
+        <a:lstStyle/>
+        <a:p>
+          <a:endParaRPr lang="zh-TW" altLang="en-US"/>
+        </a:p>
+      </dgm:t>
     </dgm:pt>
     <dgm:pt modelId="{5A266296-0042-402F-92EF-D59AB148E92E}" type="pres">
       <dgm:prSet presAssocID="{9646853A-8964-4519-A5B1-0B7D18B2983D}" presName="sibTrans" presStyleCnt="0"/>
@@ -1194,7 +1215,7 @@
                 <a14:useLocalDpi xmlns:a14="http://schemas.microsoft.com/office/drawing/2010/main" val="0"/>
               </a:ext>
               <a:ext uri="{96DAC541-7B7A-43D3-8B79-37D633B846F1}">
-                <asvg:svgBlip xmlns:asvg="http://schemas.microsoft.com/office/drawing/2016/SVG/main" r:embed="rId6"/>
+                <asvg:svgBlip xmlns:asvg="http://schemas.microsoft.com/office/drawing/2016/SVG/main" xmlns="" r:embed="rId6"/>
               </a:ext>
             </a:extLst>
           </a:blip>
@@ -1222,15 +1243,22 @@
         </dgm:presLayoutVars>
       </dgm:prSet>
       <dgm:spPr/>
+      <dgm:t>
+        <a:bodyPr/>
+        <a:lstStyle/>
+        <a:p>
+          <a:endParaRPr lang="zh-TW" altLang="en-US"/>
+        </a:p>
+      </dgm:t>
     </dgm:pt>
   </dgm:ptLst>
   <dgm:cxnLst>
+    <dgm:cxn modelId="{676D3A6A-6EA7-4483-BB12-0BD4A7D7AF9D}" type="presOf" srcId="{01A66772-F185-4D58-B8BB-E9370D7A7A2B}" destId="{50B3CE7C-E10B-4E23-BD93-03664997C932}" srcOrd="0" destOrd="0" presId="urn:microsoft.com/office/officeart/2018/5/layout/IconCircleLabelList"/>
+    <dgm:cxn modelId="{7A710F69-5154-4855-ACF5-BC7C1BF85A80}" type="presOf" srcId="{49225C73-1633-42F1-AB3B-7CB183E5F8B8}" destId="{7E6FE37A-5DB0-4899-9FCB-0CE39BC185F8}" srcOrd="0" destOrd="0" presId="urn:microsoft.com/office/officeart/2018/5/layout/IconCircleLabelList"/>
     <dgm:cxn modelId="{A9154303-8225-4248-91DC-1B0156A35F07}" srcId="{01A66772-F185-4D58-B8BB-E9370D7A7A2B}" destId="{49225C73-1633-42F1-AB3B-7CB183E5F8B8}" srcOrd="1" destOrd="0" parTransId="{1A0E2090-1D4F-438A-8766-B6030CE01ADD}" sibTransId="{9646853A-8964-4519-A5B1-0B7D18B2983D}"/>
-    <dgm:cxn modelId="{7A710F69-5154-4855-ACF5-BC7C1BF85A80}" type="presOf" srcId="{49225C73-1633-42F1-AB3B-7CB183E5F8B8}" destId="{7E6FE37A-5DB0-4899-9FCB-0CE39BC185F8}" srcOrd="0" destOrd="0" presId="urn:microsoft.com/office/officeart/2018/5/layout/IconCircleLabelList"/>
+    <dgm:cxn modelId="{C4CCE57E-E871-46D6-BAD5-880252C95D22}" srcId="{01A66772-F185-4D58-B8BB-E9370D7A7A2B}" destId="{1C383F32-22E8-4F62-A3E0-BDC3D5F48992}" srcOrd="2" destOrd="0" parTransId="{A7920A2F-3244-4159-AF04-6A1D38B7B317}" sibTransId="{8500F72A-2C6D-4FDF-9C1D-CA691380EB0B}"/>
+    <dgm:cxn modelId="{1496FC70-DB8B-48D4-98DE-DD2856E389EE}" type="presOf" srcId="{1C383F32-22E8-4F62-A3E0-BDC3D5F48992}" destId="{1AEDC777-00B3-41D7-9AE1-23D741E941C3}" srcOrd="0" destOrd="0" presId="urn:microsoft.com/office/officeart/2018/5/layout/IconCircleLabelList"/>
     <dgm:cxn modelId="{C7AD8469-3C68-4AF9-AB82-79B0043AA120}" srcId="{01A66772-F185-4D58-B8BB-E9370D7A7A2B}" destId="{40FC4FFE-8987-4A26-B7F4-8A516F18ADAE}" srcOrd="0" destOrd="0" parTransId="{CAD7EF86-FB23-41F6-BF42-040B36DEFDB1}" sibTransId="{5B62599A-5C9B-48E7-896E-EA782AC60C8B}"/>
-    <dgm:cxn modelId="{676D3A6A-6EA7-4483-BB12-0BD4A7D7AF9D}" type="presOf" srcId="{01A66772-F185-4D58-B8BB-E9370D7A7A2B}" destId="{50B3CE7C-E10B-4E23-BD93-03664997C932}" srcOrd="0" destOrd="0" presId="urn:microsoft.com/office/officeart/2018/5/layout/IconCircleLabelList"/>
-    <dgm:cxn modelId="{1496FC70-DB8B-48D4-98DE-DD2856E389EE}" type="presOf" srcId="{1C383F32-22E8-4F62-A3E0-BDC3D5F48992}" destId="{1AEDC777-00B3-41D7-9AE1-23D741E941C3}" srcOrd="0" destOrd="0" presId="urn:microsoft.com/office/officeart/2018/5/layout/IconCircleLabelList"/>
-    <dgm:cxn modelId="{C4CCE57E-E871-46D6-BAD5-880252C95D22}" srcId="{01A66772-F185-4D58-B8BB-E9370D7A7A2B}" destId="{1C383F32-22E8-4F62-A3E0-BDC3D5F48992}" srcOrd="2" destOrd="0" parTransId="{A7920A2F-3244-4159-AF04-6A1D38B7B317}" sibTransId="{8500F72A-2C6D-4FDF-9C1D-CA691380EB0B}"/>
     <dgm:cxn modelId="{355227E3-55E0-4343-BC8D-FC0EB1694F48}" type="presOf" srcId="{40FC4FFE-8987-4A26-B7F4-8A516F18ADAE}" destId="{127117FB-F8A7-4A20-A8A7-EC686DDC76D0}" srcOrd="0" destOrd="0" presId="urn:microsoft.com/office/officeart/2018/5/layout/IconCircleLabelList"/>
     <dgm:cxn modelId="{555498CB-3ED1-404E-A25F-EB243EFC5FB1}" type="presParOf" srcId="{50B3CE7C-E10B-4E23-BD93-03664997C932}" destId="{DE9CE479-E4AE-4283-AEF1-10C1535B4324}" srcOrd="0" destOrd="0" presId="urn:microsoft.com/office/officeart/2018/5/layout/IconCircleLabelList"/>
     <dgm:cxn modelId="{11F12D49-CD08-4D50-BD13-3ECBC3A476A4}" type="presParOf" srcId="{DE9CE479-E4AE-4283-AEF1-10C1535B4324}" destId="{B59FCF02-CAD2-4D6F-9542-AD86711168CA}" srcOrd="0" destOrd="0" presId="urn:microsoft.com/office/officeart/2018/5/layout/IconCircleLabelList"/>
@@ -1327,7 +1355,7 @@
                 <a14:useLocalDpi xmlns:a14="http://schemas.microsoft.com/office/drawing/2010/main" val="0"/>
               </a:ext>
               <a:ext uri="{96DAC541-7B7A-43D3-8B79-37D633B846F1}">
-                <asvg:svgBlip xmlns:asvg="http://schemas.microsoft.com/office/drawing/2016/SVG/main" r:embed="rId2"/>
+                <asvg:svgBlip xmlns:asvg="http://schemas.microsoft.com/office/drawing/2016/SVG/main" xmlns="" r:embed="rId2"/>
               </a:ext>
             </a:extLst>
           </a:blip>
@@ -1402,7 +1430,7 @@
         </a:bodyPr>
         <a:lstStyle/>
         <a:p>
-          <a:pPr marL="0" lvl="0" indent="0" algn="ctr" defTabSz="1600200" rtl="0">
+          <a:pPr lvl="0" algn="ctr" defTabSz="1600200" rtl="0">
             <a:lnSpc>
               <a:spcPct val="100000"/>
             </a:lnSpc>
@@ -1412,7 +1440,6 @@
             <a:spcAft>
               <a:spcPct val="35000"/>
             </a:spcAft>
-            <a:buNone/>
             <a:defRPr cap="all"/>
           </a:pPr>
           <a:r>
@@ -1428,7 +1455,7 @@
           </a:endParaRPr>
         </a:p>
         <a:p>
-          <a:pPr marL="0" lvl="0" indent="0" algn="ctr" defTabSz="1600200" rtl="0">
+          <a:pPr lvl="0" algn="ctr" defTabSz="1600200" rtl="0">
             <a:lnSpc>
               <a:spcPct val="100000"/>
             </a:lnSpc>
@@ -1438,7 +1465,6 @@
             <a:spcAft>
               <a:spcPct val="35000"/>
             </a:spcAft>
-            <a:buNone/>
             <a:defRPr cap="all"/>
           </a:pPr>
           <a:endParaRPr lang="en-US" altLang="zh-TW" sz="3600" kern="1200" cap="all" noProof="0" dirty="0">
@@ -1511,7 +1537,7 @@
                 <a14:useLocalDpi xmlns:a14="http://schemas.microsoft.com/office/drawing/2010/main" val="0"/>
               </a:ext>
               <a:ext uri="{96DAC541-7B7A-43D3-8B79-37D633B846F1}">
-                <asvg:svgBlip xmlns:asvg="http://schemas.microsoft.com/office/drawing/2016/SVG/main" r:embed="rId4"/>
+                <asvg:svgBlip xmlns:asvg="http://schemas.microsoft.com/office/drawing/2016/SVG/main" xmlns="" r:embed="rId4"/>
               </a:ext>
             </a:extLst>
           </a:blip>
@@ -1586,7 +1612,7 @@
         </a:bodyPr>
         <a:lstStyle/>
         <a:p>
-          <a:pPr marL="0" lvl="0" indent="0" algn="ctr" defTabSz="1600200" rtl="0">
+          <a:pPr lvl="0" algn="ctr" defTabSz="1600200" rtl="0">
             <a:lnSpc>
               <a:spcPct val="100000"/>
             </a:lnSpc>
@@ -1596,7 +1622,6 @@
             <a:spcAft>
               <a:spcPct val="35000"/>
             </a:spcAft>
-            <a:buNone/>
             <a:defRPr cap="all"/>
           </a:pPr>
           <a:r>
@@ -1676,7 +1701,7 @@
                 <a14:useLocalDpi xmlns:a14="http://schemas.microsoft.com/office/drawing/2010/main" val="0"/>
               </a:ext>
               <a:ext uri="{96DAC541-7B7A-43D3-8B79-37D633B846F1}">
-                <asvg:svgBlip xmlns:asvg="http://schemas.microsoft.com/office/drawing/2016/SVG/main" r:embed="rId6"/>
+                <asvg:svgBlip xmlns:asvg="http://schemas.microsoft.com/office/drawing/2016/SVG/main" xmlns="" r:embed="rId6"/>
               </a:ext>
             </a:extLst>
           </a:blip>
@@ -1751,7 +1776,7 @@
         </a:bodyPr>
         <a:lstStyle/>
         <a:p>
-          <a:pPr marL="0" lvl="0" indent="0" algn="ctr" defTabSz="1778000" rtl="0">
+          <a:pPr lvl="0" algn="ctr" defTabSz="1778000" rtl="0">
             <a:lnSpc>
               <a:spcPct val="100000"/>
             </a:lnSpc>
@@ -1761,7 +1786,6 @@
             <a:spcAft>
               <a:spcPct val="35000"/>
             </a:spcAft>
-            <a:buNone/>
             <a:defRPr cap="all"/>
           </a:pPr>
           <a:r>
@@ -1988,7 +2012,7 @@
   </dgm:layoutNode>
   <dgm:extLst>
     <a:ext uri="{68A01E43-0DF5-4B5B-8FA6-DAF915123BFB}">
-      <dgm1612:lstStyle xmlns:dgm1612="http://schemas.microsoft.com/office/drawing/2016/12/diagram">
+      <dgm1612:lstStyle xmlns:dgm1612="http://schemas.microsoft.com/office/drawing/2016/12/diagram" xmlns="">
         <a:lvl1pPr>
           <a:lnSpc>
             <a:spcPct val="100000"/>
@@ -24361,7 +24385,7 @@
                 <a16:creationId xmlns:a16="http://schemas.microsoft.com/office/drawing/2014/main" id="{2FDF0794-1B86-42B2-B8C7-F60123E638ED}"/>
               </a:ext>
               <a:ext uri="{C183D7F6-B498-43B3-948B-1728B52AA6E4}">
-                <adec:decorative xmlns:adec="http://schemas.microsoft.com/office/drawing/2017/decorative" val="1"/>
+                <adec:decorative xmlns:adec="http://schemas.microsoft.com/office/drawing/2017/decorative" xmlns="" val="1"/>
               </a:ext>
             </a:extLst>
           </p:cNvPr>
@@ -24427,7 +24451,7 @@
                 <a16:creationId xmlns:a16="http://schemas.microsoft.com/office/drawing/2014/main" id="{230BD1B1-AA22-48F1-B3ED-579CD284605D}"/>
               </a:ext>
               <a:ext uri="{C183D7F6-B498-43B3-948B-1728B52AA6E4}">
-                <adec:decorative xmlns:adec="http://schemas.microsoft.com/office/drawing/2017/decorative" val="1"/>
+                <adec:decorative xmlns:adec="http://schemas.microsoft.com/office/drawing/2017/decorative" xmlns="" val="1"/>
               </a:ext>
             </a:extLst>
           </p:cNvPr>
@@ -24459,7 +24483,7 @@
                 <a16:creationId xmlns:a16="http://schemas.microsoft.com/office/drawing/2014/main" id="{EAA48FC5-3C83-4F1B-BC33-DF0B588F8317}"/>
               </a:ext>
               <a:ext uri="{C183D7F6-B498-43B3-948B-1728B52AA6E4}">
-                <adec:decorative xmlns:adec="http://schemas.microsoft.com/office/drawing/2017/decorative" val="1"/>
+                <adec:decorative xmlns:adec="http://schemas.microsoft.com/office/drawing/2017/decorative" xmlns="" val="1"/>
               </a:ext>
             </a:extLst>
           </p:cNvPr>
@@ -24732,7 +24756,7 @@
                 <a16:creationId xmlns:a16="http://schemas.microsoft.com/office/drawing/2014/main" id="{62F01714-1A39-4194-BD47-8A9960C59985}"/>
               </a:ext>
               <a:ext uri="{C183D7F6-B498-43B3-948B-1728B52AA6E4}">
-                <adec:decorative xmlns:adec="http://schemas.microsoft.com/office/drawing/2017/decorative" val="1"/>
+                <adec:decorative xmlns:adec="http://schemas.microsoft.com/office/drawing/2017/decorative" xmlns="" val="1"/>
               </a:ext>
             </a:extLst>
           </p:cNvPr>
@@ -24891,8 +24915,38 @@
               <a:buAutoNum type="arabicPeriod"/>
             </a:pPr>
             <a:r>
+              <a:rPr lang="zh-TW" altLang="en-US" dirty="0" smtClean="0"/>
+              <a:t>乒乓球軌跡為線性故</a:t>
+            </a:r>
+            <a:r>
+              <a:rPr lang="en-US" altLang="zh-TW" dirty="0" err="1" smtClean="0"/>
+              <a:t>RuleBase</a:t>
+            </a:r>
+            <a:r>
+              <a:rPr lang="zh-TW" altLang="en-US" dirty="0" smtClean="0"/>
+              <a:t>可輕易做到精確的預測落點位置，進而拿來當作訓練樣本</a:t>
+            </a:r>
+            <a:endParaRPr lang="en-US" altLang="zh-TW" dirty="0" smtClean="0"/>
+          </a:p>
+          <a:p>
+            <a:pPr marL="457200" indent="-457200">
+              <a:buFont typeface="+mj-lt"/>
+              <a:buAutoNum type="arabicPeriod"/>
+            </a:pPr>
+            <a:endParaRPr lang="en-US" altLang="zh-TW" dirty="0"/>
+          </a:p>
+          <a:p>
+            <a:pPr marL="457200" indent="-457200">
+              <a:buFont typeface="+mj-lt"/>
+              <a:buAutoNum type="arabicPeriod"/>
+            </a:pPr>
+            <a:r>
+              <a:rPr lang="zh-TW" altLang="en-US" dirty="0" smtClean="0"/>
+              <a:t>可</a:t>
+            </a:r>
+            <a:r>
               <a:rPr lang="zh-TW" altLang="en-US" dirty="0"/>
-              <a:t>可根據需求隨時進行調整</a:t>
+              <a:t>根據需求隨時進行調整</a:t>
             </a:r>
             <a:endParaRPr lang="en-US" altLang="zh-TW" dirty="0"/>
           </a:p>
@@ -30986,10 +31040,21 @@
                 </a:r>
                 <a:r>
                   <a:rPr lang="en-US" altLang="zh-TW" dirty="0"/>
-                  <a:t>:42</a:t>
+                  <a:t>:</a:t>
+                </a:r>
+                <a:r>
+                  <a:rPr lang="en-US" altLang="zh-TW" dirty="0" smtClean="0"/>
+                  <a:t>3</a:t>
                 </a:r>
                 <a14:m>
                   <m:oMath xmlns:m="http://schemas.openxmlformats.org/officeDocument/2006/math">
+                    <m:r>
+                      <a:rPr lang="en-US" altLang="zh-TW" i="1" dirty="0">
+                        <a:latin typeface="Cambria Math" panose="02040503050406030204" pitchFamily="18" charset="0"/>
+                        <a:ea typeface="Cambria Math" panose="02040503050406030204" pitchFamily="18" charset="0"/>
+                      </a:rPr>
+                      <m:t>0</m:t>
+                    </m:r>
                     <m:r>
                       <a:rPr lang="en-US" altLang="zh-TW" i="1" smtClean="0">
                         <a:latin typeface="Cambria Math" panose="02040503050406030204" pitchFamily="18" charset="0"/>
@@ -31626,12 +31691,28 @@
               <a:buChar char="Ø"/>
             </a:pPr>
             <a:r>
-              <a:rPr lang="en-US" altLang="zh-TW" dirty="0"/>
+              <a:rPr lang="en-US" altLang="zh-TW" dirty="0" smtClean="0"/>
+              <a:t>B504</a:t>
+            </a:r>
+            <a:r>
+              <a:rPr lang="zh-TW" altLang="en-US" dirty="0" smtClean="0"/>
+              <a:t>電腦</a:t>
+            </a:r>
+            <a:endParaRPr lang="en-US" altLang="zh-TW" dirty="0" smtClean="0"/>
+          </a:p>
+          <a:p>
+            <a:pPr lvl="1">
+              <a:buFont typeface="Wingdings" panose="05000000000000000000" pitchFamily="2" charset="2"/>
+              <a:buChar char="Ø"/>
+            </a:pPr>
+            <a:r>
+              <a:rPr lang="en-US" altLang="zh-TW" dirty="0" smtClean="0"/>
               <a:t>Window7</a:t>
             </a:r>
+            <a:endParaRPr lang="en-US" altLang="zh-TW" dirty="0"/>
           </a:p>
           <a:p>
-            <a:pPr>
+            <a:pPr lvl="1">
               <a:buFont typeface="Wingdings" panose="05000000000000000000" pitchFamily="2" charset="2"/>
               <a:buChar char="Ø"/>
             </a:pPr>
@@ -33895,6 +33976,23 @@
 </file>
 
 <file path=customXml/item1.xml><?xml version="1.0" encoding="utf-8"?>
+<?mso-contentType ?>
+<FormTemplates xmlns="http://schemas.microsoft.com/sharepoint/v3/contenttype/forms">
+  <Display>DocumentLibraryForm</Display>
+  <Edit>DocumentLibraryForm</Edit>
+  <New>DocumentLibraryForm</New>
+</FormTemplates>
+</file>
+
+<file path=customXml/item2.xml><?xml version="1.0" encoding="utf-8"?>
+<p:properties xmlns:p="http://schemas.microsoft.com/office/2006/metadata/properties" xmlns:xsi="http://www.w3.org/2001/XMLSchema-instance" xmlns:pc="http://schemas.microsoft.com/office/infopath/2007/PartnerControls">
+  <documentManagement>
+    <MediaServiceKeyPoints xmlns="71af3243-3dd4-4a8d-8c0d-dd76da1f02a5" xsi:nil="true"/>
+  </documentManagement>
+</p:properties>
+</file>
+
+<file path=customXml/item3.xml><?xml version="1.0" encoding="utf-8"?>
 <ct:contentTypeSchema xmlns:ct="http://schemas.microsoft.com/office/2006/metadata/contentType" xmlns:ma="http://schemas.microsoft.com/office/2006/metadata/properties/metaAttributes" ct:_="" ma:_="" ma:contentTypeName="Document" ma:contentTypeID="0x01010079F111ED35F8CC479449609E8A0923A6" ma:contentTypeVersion="11" ma:contentTypeDescription="Create a new document." ma:contentTypeScope="" ma:versionID="9677210f24a1be23c92c90fd886aa0aa">
   <xsd:schema xmlns:xsd="http://www.w3.org/2001/XMLSchema" xmlns:xs="http://www.w3.org/2001/XMLSchema" xmlns:p="http://schemas.microsoft.com/office/2006/metadata/properties" xmlns:ns2="71af3243-3dd4-4a8d-8c0d-dd76da1f02a5" xmlns:ns3="16c05727-aa75-4e4a-9b5f-8a80a1165891" targetNamespace="http://schemas.microsoft.com/office/2006/metadata/properties" ma:root="true" ma:fieldsID="60e05723c5c1908df1a1a4ebf11d344e" ns2:_="" ns3:_="">
     <xsd:import namespace="71af3243-3dd4-4a8d-8c0d-dd76da1f02a5"/>
@@ -34105,24 +34203,25 @@
 </ct:contentTypeSchema>
 </file>
 
-<file path=customXml/item2.xml><?xml version="1.0" encoding="utf-8"?>
-<p:properties xmlns:p="http://schemas.microsoft.com/office/2006/metadata/properties" xmlns:xsi="http://www.w3.org/2001/XMLSchema-instance" xmlns:pc="http://schemas.microsoft.com/office/infopath/2007/PartnerControls">
-  <documentManagement>
-    <MediaServiceKeyPoints xmlns="71af3243-3dd4-4a8d-8c0d-dd76da1f02a5" xsi:nil="true"/>
-  </documentManagement>
-</p:properties>
+<file path=customXml/itemProps1.xml><?xml version="1.0" encoding="utf-8"?>
+<ds:datastoreItem xmlns:ds="http://schemas.openxmlformats.org/officeDocument/2006/customXml" ds:itemID="{4F44C90D-2A62-4985-9618-3460247437B1}">
+  <ds:schemaRefs>
+    <ds:schemaRef ds:uri="http://schemas.microsoft.com/sharepoint/v3/contenttype/forms"/>
+  </ds:schemaRefs>
+</ds:datastoreItem>
 </file>
 
-<file path=customXml/item3.xml><?xml version="1.0" encoding="utf-8"?>
-<?mso-contentType ?>
-<FormTemplates xmlns="http://schemas.microsoft.com/sharepoint/v3/contenttype/forms">
-  <Display>DocumentLibraryForm</Display>
-  <Edit>DocumentLibraryForm</Edit>
-  <New>DocumentLibraryForm</New>
-</FormTemplates>
+<file path=customXml/itemProps2.xml><?xml version="1.0" encoding="utf-8"?>
+<ds:datastoreItem xmlns:ds="http://schemas.openxmlformats.org/officeDocument/2006/customXml" ds:itemID="{788A2F88-55C5-4ED1-9541-807C65424763}">
+  <ds:schemaRefs>
+    <ds:schemaRef ds:uri="http://schemas.microsoft.com/office/2006/metadata/properties"/>
+    <ds:schemaRef ds:uri="http://schemas.microsoft.com/office/infopath/2007/PartnerControls"/>
+    <ds:schemaRef ds:uri="71af3243-3dd4-4a8d-8c0d-dd76da1f02a5"/>
+  </ds:schemaRefs>
+</ds:datastoreItem>
 </file>
 
-<file path=customXml/itemProps1.xml><?xml version="1.0" encoding="utf-8"?>
+<file path=customXml/itemProps3.xml><?xml version="1.0" encoding="utf-8"?>
 <ds:datastoreItem xmlns:ds="http://schemas.openxmlformats.org/officeDocument/2006/customXml" ds:itemID="{B61EAB5F-88FC-4FAE-AE3C-037A3C365EB8}">
   <ds:schemaRefs>
     <ds:schemaRef ds:uri="http://schemas.microsoft.com/office/2006/metadata/contentType"/>
@@ -34139,22 +34238,4 @@
     <ds:schemaRef ds:uri="http://schemas.microsoft.com/internal/obd"/>
   </ds:schemaRefs>
 </ds:datastoreItem>
-</file>
-
-<file path=customXml/itemProps2.xml><?xml version="1.0" encoding="utf-8"?>
-<ds:datastoreItem xmlns:ds="http://schemas.openxmlformats.org/officeDocument/2006/customXml" ds:itemID="{788A2F88-55C5-4ED1-9541-807C65424763}">
-  <ds:schemaRefs>
-    <ds:schemaRef ds:uri="http://schemas.microsoft.com/office/2006/metadata/properties"/>
-    <ds:schemaRef ds:uri="http://schemas.microsoft.com/office/infopath/2007/PartnerControls"/>
-    <ds:schemaRef ds:uri="71af3243-3dd4-4a8d-8c0d-dd76da1f02a5"/>
-  </ds:schemaRefs>
-</ds:datastoreItem>
-</file>
-
-<file path=customXml/itemProps3.xml><?xml version="1.0" encoding="utf-8"?>
-<ds:datastoreItem xmlns:ds="http://schemas.openxmlformats.org/officeDocument/2006/customXml" ds:itemID="{4F44C90D-2A62-4985-9618-3460247437B1}">
-  <ds:schemaRefs>
-    <ds:schemaRef ds:uri="http://schemas.microsoft.com/sharepoint/v3/contenttype/forms"/>
-  </ds:schemaRefs>
-</ds:datastoreItem>
 </file>